--- a/powerPoint.pptx
+++ b/powerPoint.pptx
@@ -109,6 +109,11 @@
       </a:defRPr>
     </a:lvl9pPr>
   </p:defaultTextStyle>
+  <p:extLst>
+    <p:ext uri="{EFAFB233-063F-42B5-8137-9DF3F51BA10A}">
+      <p15:sldGuideLst xmlns:p15="http://schemas.microsoft.com/office/powerpoint/2012/main"/>
+    </p:ext>
+  </p:extLst>
 </p:presentation>
 </file>
 
@@ -448,7 +453,7 @@
             <a:fld id="{5923F103-BC34-4FE4-A40E-EDDEECFDA5D0}" type="datetimeFigureOut">
               <a:rPr lang="en-US" dirty="0"/>
               <a:pPr/>
-              <a:t>4/14/2014</a:t>
+              <a:t>4/30/2014</a:t>
             </a:fld>
             <a:endParaRPr lang="en-US" dirty="0"/>
           </a:p>
@@ -1536,7 +1541,7 @@
           <a:p>
             <a:fld id="{923A1CC3-2375-41D4-9E03-427CAF2A4C1A}" type="datetimeFigureOut">
               <a:rPr lang="en-US" dirty="0"/>
-              <a:t>4/14/2014</a:t>
+              <a:t>4/30/2014</a:t>
             </a:fld>
             <a:endParaRPr lang="en-US" dirty="0"/>
           </a:p>
@@ -2516,7 +2521,7 @@
           <a:p>
             <a:fld id="{AFF16868-8199-4C2C-A5B1-63AEE139F88E}" type="datetimeFigureOut">
               <a:rPr lang="en-US" dirty="0"/>
-              <a:t>4/14/2014</a:t>
+              <a:t>4/30/2014</a:t>
             </a:fld>
             <a:endParaRPr lang="en-US" dirty="0"/>
           </a:p>
@@ -3650,7 +3655,7 @@
           <a:p>
             <a:fld id="{AAD9FF7F-6988-44CC-821B-644E70CD2F73}" type="datetimeFigureOut">
               <a:rPr lang="en-US" dirty="0"/>
-              <a:t>4/14/2014</a:t>
+              <a:t>4/30/2014</a:t>
             </a:fld>
             <a:endParaRPr lang="en-US" dirty="0"/>
           </a:p>
@@ -4683,7 +4688,7 @@
           <a:p>
             <a:fld id="{5C12C299-16B2-4475-990D-751901EACC14}" type="datetimeFigureOut">
               <a:rPr lang="en-US" dirty="0"/>
-              <a:t>4/14/2014</a:t>
+              <a:t>4/30/2014</a:t>
             </a:fld>
             <a:endParaRPr lang="en-US" dirty="0"/>
           </a:p>
@@ -5343,7 +5348,7 @@
           <a:p>
             <a:fld id="{9FE86839-B9D8-4651-8783-F325ECE74E65}" type="datetimeFigureOut">
               <a:rPr lang="en-US" dirty="0"/>
-              <a:t>4/14/2014</a:t>
+              <a:t>4/30/2014</a:t>
             </a:fld>
             <a:endParaRPr lang="en-US" dirty="0"/>
           </a:p>
@@ -6204,7 +6209,7 @@
           <a:p>
             <a:fld id="{FD484F64-32F6-45C5-931F-ADC1662401D0}" type="datetimeFigureOut">
               <a:rPr lang="en-US" dirty="0"/>
-              <a:t>4/14/2014</a:t>
+              <a:t>4/30/2014</a:t>
             </a:fld>
             <a:endParaRPr lang="en-US" dirty="0"/>
           </a:p>
@@ -6394,7 +6399,7 @@
           <a:p>
             <a:fld id="{53086D93-FCAC-47E0-A2EE-787E62CA814C}" type="datetimeFigureOut">
               <a:rPr lang="en-US" dirty="0"/>
-              <a:t>4/14/2014</a:t>
+              <a:t>4/30/2014</a:t>
             </a:fld>
             <a:endParaRPr lang="en-US" dirty="0"/>
           </a:p>
@@ -7366,7 +7371,7 @@
           <a:p>
             <a:fld id="{CDA879A6-0FD0-4734-A311-86BFCA472E6E}" type="datetimeFigureOut">
               <a:rPr lang="en-US" dirty="0"/>
-              <a:t>4/14/2014</a:t>
+              <a:t>4/30/2014</a:t>
             </a:fld>
             <a:endParaRPr lang="en-US" dirty="0"/>
           </a:p>
@@ -7577,7 +7582,7 @@
           <a:p>
             <a:fld id="{19C9CA7B-DFD4-44B5-8C60-D14B8CD1FB59}" type="datetimeFigureOut">
               <a:rPr lang="en-US" dirty="0"/>
-              <a:t>4/14/2014</a:t>
+              <a:t>4/30/2014</a:t>
             </a:fld>
             <a:endParaRPr lang="en-US" dirty="0"/>
           </a:p>
@@ -8611,7 +8616,7 @@
           <a:p>
             <a:fld id="{F34E6425-0181-43F2-84FC-787E803FD2F8}" type="datetimeFigureOut">
               <a:rPr lang="en-US" dirty="0"/>
-              <a:t>4/14/2014</a:t>
+              <a:t>4/30/2014</a:t>
             </a:fld>
             <a:endParaRPr lang="en-US" dirty="0"/>
           </a:p>
@@ -8883,7 +8888,7 @@
           <a:p>
             <a:fld id="{3BDB8791-F1B0-41E7-B7FD-A781E65C4266}" type="datetimeFigureOut">
               <a:rPr lang="en-US" dirty="0"/>
-              <a:t>4/14/2014</a:t>
+              <a:t>4/30/2014</a:t>
             </a:fld>
             <a:endParaRPr lang="en-US" dirty="0"/>
           </a:p>
@@ -9293,7 +9298,7 @@
           <a:p>
             <a:fld id="{5FDD63B2-E120-4ED8-B27B-C685F510A5FE}" type="datetimeFigureOut">
               <a:rPr lang="en-US" dirty="0"/>
-              <a:t>4/14/2014</a:t>
+              <a:t>4/30/2014</a:t>
             </a:fld>
             <a:endParaRPr lang="en-US" dirty="0"/>
           </a:p>
@@ -9420,7 +9425,7 @@
           <a:p>
             <a:fld id="{7AA18ACC-A947-437B-A130-35BD54FDF1E9}" type="datetimeFigureOut">
               <a:rPr lang="en-US" dirty="0"/>
-              <a:t>4/14/2014</a:t>
+              <a:t>4/30/2014</a:t>
             </a:fld>
             <a:endParaRPr lang="en-US" dirty="0"/>
           </a:p>
@@ -9515,7 +9520,7 @@
           <a:p>
             <a:fld id="{7C8D7E02-BCB8-4D50-A234-369438C08659}" type="datetimeFigureOut">
               <a:rPr lang="en-US" dirty="0"/>
-              <a:t>4/14/2014</a:t>
+              <a:t>4/30/2014</a:t>
             </a:fld>
             <a:endParaRPr lang="en-US" dirty="0"/>
           </a:p>
@@ -10596,7 +10601,7 @@
           <a:p>
             <a:fld id="{76E86A4C-8E40-4F87-A4F0-01A0687C5742}" type="datetimeFigureOut">
               <a:rPr lang="en-US" dirty="0"/>
-              <a:t>4/14/2014</a:t>
+              <a:t>4/30/2014</a:t>
             </a:fld>
             <a:endParaRPr lang="en-US" dirty="0"/>
           </a:p>
@@ -11704,7 +11709,7 @@
           <a:p>
             <a:fld id="{35E72C73-2D91-4E12-BA25-F0AA0C03599B}" type="datetimeFigureOut">
               <a:rPr lang="en-US" dirty="0"/>
-              <a:t>4/14/2014</a:t>
+              <a:t>4/30/2014</a:t>
             </a:fld>
             <a:endParaRPr lang="en-US" dirty="0"/>
           </a:p>
@@ -12701,7 +12706,7 @@
           <a:p>
             <a:fld id="{2BE451C3-0FF4-47C4-B829-773ADF60F88C}" type="datetimeFigureOut">
               <a:rPr lang="en-US" dirty="0"/>
-              <a:t>4/14/2014</a:t>
+              <a:t>4/30/2014</a:t>
             </a:fld>
             <a:endParaRPr lang="en-US" dirty="0"/>
           </a:p>
@@ -13445,8 +13450,12 @@
           <a:lstStyle/>
           <a:p>
             <a:r>
-              <a:rPr lang="en-US" dirty="0" smtClean="0"/>
-              <a:t>User Interface</a:t>
+              <a:rPr lang="en-US" smtClean="0"/>
+              <a:t>User </a:t>
+            </a:r>
+            <a:r>
+              <a:rPr lang="en-US" smtClean="0"/>
+              <a:t>Interactions</a:t>
             </a:r>
             <a:endParaRPr lang="en-US" dirty="0"/>
           </a:p>

--- a/powerPoint.pptx
+++ b/powerPoint.pptx
@@ -453,7 +453,7 @@
             <a:fld id="{5923F103-BC34-4FE4-A40E-EDDEECFDA5D0}" type="datetimeFigureOut">
               <a:rPr lang="en-US" dirty="0"/>
               <a:pPr/>
-              <a:t>4/30/2014</a:t>
+              <a:t>5/4/2014</a:t>
             </a:fld>
             <a:endParaRPr lang="en-US" dirty="0"/>
           </a:p>
@@ -1541,7 +1541,7 @@
           <a:p>
             <a:fld id="{923A1CC3-2375-41D4-9E03-427CAF2A4C1A}" type="datetimeFigureOut">
               <a:rPr lang="en-US" dirty="0"/>
-              <a:t>4/30/2014</a:t>
+              <a:t>5/4/2014</a:t>
             </a:fld>
             <a:endParaRPr lang="en-US" dirty="0"/>
           </a:p>
@@ -2521,7 +2521,7 @@
           <a:p>
             <a:fld id="{AFF16868-8199-4C2C-A5B1-63AEE139F88E}" type="datetimeFigureOut">
               <a:rPr lang="en-US" dirty="0"/>
-              <a:t>4/30/2014</a:t>
+              <a:t>5/4/2014</a:t>
             </a:fld>
             <a:endParaRPr lang="en-US" dirty="0"/>
           </a:p>
@@ -3655,7 +3655,7 @@
           <a:p>
             <a:fld id="{AAD9FF7F-6988-44CC-821B-644E70CD2F73}" type="datetimeFigureOut">
               <a:rPr lang="en-US" dirty="0"/>
-              <a:t>4/30/2014</a:t>
+              <a:t>5/4/2014</a:t>
             </a:fld>
             <a:endParaRPr lang="en-US" dirty="0"/>
           </a:p>
@@ -4688,7 +4688,7 @@
           <a:p>
             <a:fld id="{5C12C299-16B2-4475-990D-751901EACC14}" type="datetimeFigureOut">
               <a:rPr lang="en-US" dirty="0"/>
-              <a:t>4/30/2014</a:t>
+              <a:t>5/4/2014</a:t>
             </a:fld>
             <a:endParaRPr lang="en-US" dirty="0"/>
           </a:p>
@@ -5348,7 +5348,7 @@
           <a:p>
             <a:fld id="{9FE86839-B9D8-4651-8783-F325ECE74E65}" type="datetimeFigureOut">
               <a:rPr lang="en-US" dirty="0"/>
-              <a:t>4/30/2014</a:t>
+              <a:t>5/4/2014</a:t>
             </a:fld>
             <a:endParaRPr lang="en-US" dirty="0"/>
           </a:p>
@@ -6209,7 +6209,7 @@
           <a:p>
             <a:fld id="{FD484F64-32F6-45C5-931F-ADC1662401D0}" type="datetimeFigureOut">
               <a:rPr lang="en-US" dirty="0"/>
-              <a:t>4/30/2014</a:t>
+              <a:t>5/4/2014</a:t>
             </a:fld>
             <a:endParaRPr lang="en-US" dirty="0"/>
           </a:p>
@@ -6399,7 +6399,7 @@
           <a:p>
             <a:fld id="{53086D93-FCAC-47E0-A2EE-787E62CA814C}" type="datetimeFigureOut">
               <a:rPr lang="en-US" dirty="0"/>
-              <a:t>4/30/2014</a:t>
+              <a:t>5/4/2014</a:t>
             </a:fld>
             <a:endParaRPr lang="en-US" dirty="0"/>
           </a:p>
@@ -7371,7 +7371,7 @@
           <a:p>
             <a:fld id="{CDA879A6-0FD0-4734-A311-86BFCA472E6E}" type="datetimeFigureOut">
               <a:rPr lang="en-US" dirty="0"/>
-              <a:t>4/30/2014</a:t>
+              <a:t>5/4/2014</a:t>
             </a:fld>
             <a:endParaRPr lang="en-US" dirty="0"/>
           </a:p>
@@ -7582,7 +7582,7 @@
           <a:p>
             <a:fld id="{19C9CA7B-DFD4-44B5-8C60-D14B8CD1FB59}" type="datetimeFigureOut">
               <a:rPr lang="en-US" dirty="0"/>
-              <a:t>4/30/2014</a:t>
+              <a:t>5/4/2014</a:t>
             </a:fld>
             <a:endParaRPr lang="en-US" dirty="0"/>
           </a:p>
@@ -8616,7 +8616,7 @@
           <a:p>
             <a:fld id="{F34E6425-0181-43F2-84FC-787E803FD2F8}" type="datetimeFigureOut">
               <a:rPr lang="en-US" dirty="0"/>
-              <a:t>4/30/2014</a:t>
+              <a:t>5/4/2014</a:t>
             </a:fld>
             <a:endParaRPr lang="en-US" dirty="0"/>
           </a:p>
@@ -8888,7 +8888,7 @@
           <a:p>
             <a:fld id="{3BDB8791-F1B0-41E7-B7FD-A781E65C4266}" type="datetimeFigureOut">
               <a:rPr lang="en-US" dirty="0"/>
-              <a:t>4/30/2014</a:t>
+              <a:t>5/4/2014</a:t>
             </a:fld>
             <a:endParaRPr lang="en-US" dirty="0"/>
           </a:p>
@@ -9298,7 +9298,7 @@
           <a:p>
             <a:fld id="{5FDD63B2-E120-4ED8-B27B-C685F510A5FE}" type="datetimeFigureOut">
               <a:rPr lang="en-US" dirty="0"/>
-              <a:t>4/30/2014</a:t>
+              <a:t>5/4/2014</a:t>
             </a:fld>
             <a:endParaRPr lang="en-US" dirty="0"/>
           </a:p>
@@ -9425,7 +9425,7 @@
           <a:p>
             <a:fld id="{7AA18ACC-A947-437B-A130-35BD54FDF1E9}" type="datetimeFigureOut">
               <a:rPr lang="en-US" dirty="0"/>
-              <a:t>4/30/2014</a:t>
+              <a:t>5/4/2014</a:t>
             </a:fld>
             <a:endParaRPr lang="en-US" dirty="0"/>
           </a:p>
@@ -9520,7 +9520,7 @@
           <a:p>
             <a:fld id="{7C8D7E02-BCB8-4D50-A234-369438C08659}" type="datetimeFigureOut">
               <a:rPr lang="en-US" dirty="0"/>
-              <a:t>4/30/2014</a:t>
+              <a:t>5/4/2014</a:t>
             </a:fld>
             <a:endParaRPr lang="en-US" dirty="0"/>
           </a:p>
@@ -10601,7 +10601,7 @@
           <a:p>
             <a:fld id="{76E86A4C-8E40-4F87-A4F0-01A0687C5742}" type="datetimeFigureOut">
               <a:rPr lang="en-US" dirty="0"/>
-              <a:t>4/30/2014</a:t>
+              <a:t>5/4/2014</a:t>
             </a:fld>
             <a:endParaRPr lang="en-US" dirty="0"/>
           </a:p>
@@ -11709,7 +11709,7 @@
           <a:p>
             <a:fld id="{35E72C73-2D91-4E12-BA25-F0AA0C03599B}" type="datetimeFigureOut">
               <a:rPr lang="en-US" dirty="0"/>
-              <a:t>4/30/2014</a:t>
+              <a:t>5/4/2014</a:t>
             </a:fld>
             <a:endParaRPr lang="en-US" dirty="0"/>
           </a:p>
@@ -12706,7 +12706,7 @@
           <a:p>
             <a:fld id="{2BE451C3-0FF4-47C4-B829-773ADF60F88C}" type="datetimeFigureOut">
               <a:rPr lang="en-US" dirty="0"/>
-              <a:t>4/30/2014</a:t>
+              <a:t>5/4/2014</a:t>
             </a:fld>
             <a:endParaRPr lang="en-US" dirty="0"/>
           </a:p>
@@ -13387,13 +13387,28 @@
           <a:lstStyle/>
           <a:p>
             <a:r>
+              <a:rPr lang="en-US" dirty="0" smtClean="0"/>
+              <a:t>Online program </a:t>
+            </a:r>
+          </a:p>
+          <a:p>
+            <a:r>
               <a:rPr lang="en-US" dirty="0"/>
-              <a:t>An online program that allows users that are separated into groups of administrators, students, and operations to input work orders and view past work orders</a:t>
+              <a:t>U</a:t>
             </a:r>
             <a:r>
               <a:rPr lang="en-US" dirty="0" smtClean="0"/>
-              <a:t>.</a:t>
-            </a:r>
+              <a:t>sers can input </a:t>
+            </a:r>
+            <a:r>
+              <a:rPr lang="en-US" dirty="0"/>
+              <a:t>work orders and view past work </a:t>
+            </a:r>
+            <a:r>
+              <a:rPr lang="en-US" dirty="0" smtClean="0"/>
+              <a:t>orders</a:t>
+            </a:r>
+            <a:endParaRPr lang="en-US" dirty="0" smtClean="0"/>
           </a:p>
           <a:p>
             <a:r>
@@ -13451,11 +13466,7 @@
           <a:p>
             <a:r>
               <a:rPr lang="en-US" smtClean="0"/>
-              <a:t>User </a:t>
-            </a:r>
-            <a:r>
-              <a:rPr lang="en-US" smtClean="0"/>
-              <a:t>Interactions</a:t>
+              <a:t>Use Cases</a:t>
             </a:r>
             <a:endParaRPr lang="en-US" dirty="0"/>
           </a:p>
@@ -13577,7 +13588,7 @@
           <a:p>
             <a:r>
               <a:rPr lang="en-US" dirty="0" smtClean="0"/>
-              <a:t>Design</a:t>
+              <a:t>Implementation</a:t>
             </a:r>
             <a:endParaRPr lang="en-US" dirty="0"/>
           </a:p>
@@ -13614,15 +13625,9 @@
             <a:pPr lvl="1"/>
             <a:r>
               <a:rPr lang="en-US" dirty="0" smtClean="0"/>
-              <a:t>JAVA</a:t>
-            </a:r>
-          </a:p>
-          <a:p>
-            <a:pPr lvl="1"/>
-            <a:r>
-              <a:rPr lang="en-US" dirty="0" smtClean="0"/>
               <a:t>JavaScript</a:t>
             </a:r>
+            <a:endParaRPr lang="en-US" dirty="0" smtClean="0"/>
           </a:p>
           <a:p>
             <a:pPr lvl="1"/>

--- a/powerPoint.pptx
+++ b/powerPoint.pptx
@@ -8,9 +8,10 @@
     <p:sldId id="256" r:id="rId2"/>
     <p:sldId id="257" r:id="rId3"/>
     <p:sldId id="258" r:id="rId4"/>
-    <p:sldId id="259" r:id="rId5"/>
-    <p:sldId id="260" r:id="rId6"/>
-    <p:sldId id="261" r:id="rId7"/>
+    <p:sldId id="262" r:id="rId5"/>
+    <p:sldId id="259" r:id="rId6"/>
+    <p:sldId id="260" r:id="rId7"/>
+    <p:sldId id="261" r:id="rId8"/>
   </p:sldIdLst>
   <p:sldSz cx="12192000" cy="6858000"/>
   <p:notesSz cx="6858000" cy="9144000"/>
@@ -453,7 +454,7 @@
             <a:fld id="{5923F103-BC34-4FE4-A40E-EDDEECFDA5D0}" type="datetimeFigureOut">
               <a:rPr lang="en-US" dirty="0"/>
               <a:pPr/>
-              <a:t>5/4/2014</a:t>
+              <a:t>5/5/2014</a:t>
             </a:fld>
             <a:endParaRPr lang="en-US" dirty="0"/>
           </a:p>
@@ -1541,7 +1542,7 @@
           <a:p>
             <a:fld id="{923A1CC3-2375-41D4-9E03-427CAF2A4C1A}" type="datetimeFigureOut">
               <a:rPr lang="en-US" dirty="0"/>
-              <a:t>5/4/2014</a:t>
+              <a:t>5/5/2014</a:t>
             </a:fld>
             <a:endParaRPr lang="en-US" dirty="0"/>
           </a:p>
@@ -2521,7 +2522,7 @@
           <a:p>
             <a:fld id="{AFF16868-8199-4C2C-A5B1-63AEE139F88E}" type="datetimeFigureOut">
               <a:rPr lang="en-US" dirty="0"/>
-              <a:t>5/4/2014</a:t>
+              <a:t>5/5/2014</a:t>
             </a:fld>
             <a:endParaRPr lang="en-US" dirty="0"/>
           </a:p>
@@ -3655,7 +3656,7 @@
           <a:p>
             <a:fld id="{AAD9FF7F-6988-44CC-821B-644E70CD2F73}" type="datetimeFigureOut">
               <a:rPr lang="en-US" dirty="0"/>
-              <a:t>5/4/2014</a:t>
+              <a:t>5/5/2014</a:t>
             </a:fld>
             <a:endParaRPr lang="en-US" dirty="0"/>
           </a:p>
@@ -4688,7 +4689,7 @@
           <a:p>
             <a:fld id="{5C12C299-16B2-4475-990D-751901EACC14}" type="datetimeFigureOut">
               <a:rPr lang="en-US" dirty="0"/>
-              <a:t>5/4/2014</a:t>
+              <a:t>5/5/2014</a:t>
             </a:fld>
             <a:endParaRPr lang="en-US" dirty="0"/>
           </a:p>
@@ -5348,7 +5349,7 @@
           <a:p>
             <a:fld id="{9FE86839-B9D8-4651-8783-F325ECE74E65}" type="datetimeFigureOut">
               <a:rPr lang="en-US" dirty="0"/>
-              <a:t>5/4/2014</a:t>
+              <a:t>5/5/2014</a:t>
             </a:fld>
             <a:endParaRPr lang="en-US" dirty="0"/>
           </a:p>
@@ -6209,7 +6210,7 @@
           <a:p>
             <a:fld id="{FD484F64-32F6-45C5-931F-ADC1662401D0}" type="datetimeFigureOut">
               <a:rPr lang="en-US" dirty="0"/>
-              <a:t>5/4/2014</a:t>
+              <a:t>5/5/2014</a:t>
             </a:fld>
             <a:endParaRPr lang="en-US" dirty="0"/>
           </a:p>
@@ -6399,7 +6400,7 @@
           <a:p>
             <a:fld id="{53086D93-FCAC-47E0-A2EE-787E62CA814C}" type="datetimeFigureOut">
               <a:rPr lang="en-US" dirty="0"/>
-              <a:t>5/4/2014</a:t>
+              <a:t>5/5/2014</a:t>
             </a:fld>
             <a:endParaRPr lang="en-US" dirty="0"/>
           </a:p>
@@ -7371,7 +7372,7 @@
           <a:p>
             <a:fld id="{CDA879A6-0FD0-4734-A311-86BFCA472E6E}" type="datetimeFigureOut">
               <a:rPr lang="en-US" dirty="0"/>
-              <a:t>5/4/2014</a:t>
+              <a:t>5/5/2014</a:t>
             </a:fld>
             <a:endParaRPr lang="en-US" dirty="0"/>
           </a:p>
@@ -7582,7 +7583,7 @@
           <a:p>
             <a:fld id="{19C9CA7B-DFD4-44B5-8C60-D14B8CD1FB59}" type="datetimeFigureOut">
               <a:rPr lang="en-US" dirty="0"/>
-              <a:t>5/4/2014</a:t>
+              <a:t>5/5/2014</a:t>
             </a:fld>
             <a:endParaRPr lang="en-US" dirty="0"/>
           </a:p>
@@ -8616,7 +8617,7 @@
           <a:p>
             <a:fld id="{F34E6425-0181-43F2-84FC-787E803FD2F8}" type="datetimeFigureOut">
               <a:rPr lang="en-US" dirty="0"/>
-              <a:t>5/4/2014</a:t>
+              <a:t>5/5/2014</a:t>
             </a:fld>
             <a:endParaRPr lang="en-US" dirty="0"/>
           </a:p>
@@ -8888,7 +8889,7 @@
           <a:p>
             <a:fld id="{3BDB8791-F1B0-41E7-B7FD-A781E65C4266}" type="datetimeFigureOut">
               <a:rPr lang="en-US" dirty="0"/>
-              <a:t>5/4/2014</a:t>
+              <a:t>5/5/2014</a:t>
             </a:fld>
             <a:endParaRPr lang="en-US" dirty="0"/>
           </a:p>
@@ -9298,7 +9299,7 @@
           <a:p>
             <a:fld id="{5FDD63B2-E120-4ED8-B27B-C685F510A5FE}" type="datetimeFigureOut">
               <a:rPr lang="en-US" dirty="0"/>
-              <a:t>5/4/2014</a:t>
+              <a:t>5/5/2014</a:t>
             </a:fld>
             <a:endParaRPr lang="en-US" dirty="0"/>
           </a:p>
@@ -9425,7 +9426,7 @@
           <a:p>
             <a:fld id="{7AA18ACC-A947-437B-A130-35BD54FDF1E9}" type="datetimeFigureOut">
               <a:rPr lang="en-US" dirty="0"/>
-              <a:t>5/4/2014</a:t>
+              <a:t>5/5/2014</a:t>
             </a:fld>
             <a:endParaRPr lang="en-US" dirty="0"/>
           </a:p>
@@ -9520,7 +9521,7 @@
           <a:p>
             <a:fld id="{7C8D7E02-BCB8-4D50-A234-369438C08659}" type="datetimeFigureOut">
               <a:rPr lang="en-US" dirty="0"/>
-              <a:t>5/4/2014</a:t>
+              <a:t>5/5/2014</a:t>
             </a:fld>
             <a:endParaRPr lang="en-US" dirty="0"/>
           </a:p>
@@ -10601,7 +10602,7 @@
           <a:p>
             <a:fld id="{76E86A4C-8E40-4F87-A4F0-01A0687C5742}" type="datetimeFigureOut">
               <a:rPr lang="en-US" dirty="0"/>
-              <a:t>5/4/2014</a:t>
+              <a:t>5/5/2014</a:t>
             </a:fld>
             <a:endParaRPr lang="en-US" dirty="0"/>
           </a:p>
@@ -11709,7 +11710,7 @@
           <a:p>
             <a:fld id="{35E72C73-2D91-4E12-BA25-F0AA0C03599B}" type="datetimeFigureOut">
               <a:rPr lang="en-US" dirty="0"/>
-              <a:t>5/4/2014</a:t>
+              <a:t>5/5/2014</a:t>
             </a:fld>
             <a:endParaRPr lang="en-US" dirty="0"/>
           </a:p>
@@ -12706,7 +12707,7 @@
           <a:p>
             <a:fld id="{2BE451C3-0FF4-47C4-B829-773ADF60F88C}" type="datetimeFigureOut">
               <a:rPr lang="en-US" dirty="0"/>
-              <a:t>5/4/2014</a:t>
+              <a:t>5/5/2014</a:t>
             </a:fld>
             <a:endParaRPr lang="en-US" dirty="0"/>
           </a:p>
@@ -13408,7 +13409,6 @@
               <a:rPr lang="en-US" dirty="0" smtClean="0"/>
               <a:t>orders</a:t>
             </a:r>
-            <a:endParaRPr lang="en-US" dirty="0" smtClean="0"/>
           </a:p>
           <a:p>
             <a:r>
@@ -13465,8 +13465,8 @@
           <a:lstStyle/>
           <a:p>
             <a:r>
-              <a:rPr lang="en-US" smtClean="0"/>
-              <a:t>Use Cases</a:t>
+              <a:rPr lang="en-US" dirty="0" smtClean="0"/>
+              <a:t>User Interactions - Student/Admin</a:t>
             </a:r>
             <a:endParaRPr lang="en-US" dirty="0"/>
           </a:p>
@@ -13496,34 +13496,18 @@
             <a:pPr lvl="1"/>
             <a:r>
               <a:rPr lang="en-US" dirty="0" smtClean="0"/>
-              <a:t>Room and floor orders</a:t>
-            </a:r>
-          </a:p>
-          <a:p>
+              <a:t>Room orders </a:t>
+            </a:r>
+          </a:p>
+          <a:p>
+            <a:pPr lvl="1"/>
             <a:r>
               <a:rPr lang="en-US" dirty="0" smtClean="0"/>
-              <a:t>Operations</a:t>
-            </a:r>
-          </a:p>
-          <a:p>
-            <a:pPr lvl="1"/>
+              <a:t>floor </a:t>
+            </a:r>
             <a:r>
               <a:rPr lang="en-US" dirty="0" smtClean="0"/>
-              <a:t>View orders</a:t>
-            </a:r>
-          </a:p>
-          <a:p>
-            <a:pPr lvl="1"/>
-            <a:r>
-              <a:rPr lang="en-US" dirty="0" smtClean="0"/>
-              <a:t>Update orders</a:t>
-            </a:r>
-          </a:p>
-          <a:p>
-            <a:pPr lvl="1"/>
-            <a:r>
-              <a:rPr lang="en-US" dirty="0" smtClean="0"/>
-              <a:t>Insert orders</a:t>
+              <a:t>orders</a:t>
             </a:r>
           </a:p>
           <a:p>
@@ -13531,6 +13515,7 @@
               <a:rPr lang="en-US" dirty="0" smtClean="0"/>
               <a:t>Student</a:t>
             </a:r>
+            <a:endParaRPr lang="en-US" dirty="0" smtClean="0"/>
           </a:p>
           <a:p>
             <a:pPr lvl="1"/>
@@ -13541,6 +13526,30 @@
           </a:p>
         </p:txBody>
       </p:sp>
+      <p:pic>
+        <p:nvPicPr>
+          <p:cNvPr id="4" name="Picture 3"/>
+          <p:cNvPicPr>
+            <a:picLocks noChangeAspect="1"/>
+          </p:cNvPicPr>
+          <p:nvPr/>
+        </p:nvPicPr>
+        <p:blipFill>
+          <a:blip r:embed="rId2"/>
+          <a:stretch>
+            <a:fillRect/>
+          </a:stretch>
+        </p:blipFill>
+        <p:spPr>
+          <a:xfrm>
+            <a:off x="3494608" y="2488908"/>
+            <a:ext cx="8243680" cy="3886134"/>
+          </a:xfrm>
+          <a:prstGeom prst="rect">
+            <a:avLst/>
+          </a:prstGeom>
+        </p:spPr>
+      </p:pic>
     </p:spTree>
     <p:extLst>
       <p:ext uri="{BB962C8B-B14F-4D97-AF65-F5344CB8AC3E}">
@@ -13588,7 +13597,7 @@
           <a:p>
             <a:r>
               <a:rPr lang="en-US" dirty="0" smtClean="0"/>
-              <a:t>Implementation</a:t>
+              <a:t>User Interactions - Operations</a:t>
             </a:r>
             <a:endParaRPr lang="en-US" dirty="0"/>
           </a:p>
@@ -13610,42 +13619,57 @@
           <a:lstStyle/>
           <a:p>
             <a:r>
+              <a:rPr lang="en-US" dirty="0"/>
+              <a:t>View </a:t>
+            </a:r>
+            <a:r>
               <a:rPr lang="en-US" dirty="0" smtClean="0"/>
-              <a:t>Tools used</a:t>
-            </a:r>
-          </a:p>
-          <a:p>
-            <a:pPr lvl="1"/>
+              <a:t>orders</a:t>
+            </a:r>
+            <a:endParaRPr lang="en-US" dirty="0" smtClean="0"/>
+          </a:p>
+          <a:p>
             <a:r>
               <a:rPr lang="en-US" dirty="0" smtClean="0"/>
-              <a:t>MySQL</a:t>
-            </a:r>
-          </a:p>
-          <a:p>
-            <a:pPr lvl="1"/>
+              <a:t>Update orders</a:t>
+            </a:r>
+          </a:p>
+          <a:p>
             <a:r>
               <a:rPr lang="en-US" dirty="0" smtClean="0"/>
-              <a:t>JavaScript</a:t>
-            </a:r>
-            <a:endParaRPr lang="en-US" dirty="0" smtClean="0"/>
-          </a:p>
-          <a:p>
-            <a:pPr lvl="1"/>
-            <a:r>
-              <a:rPr lang="en-US" dirty="0" smtClean="0"/>
-              <a:t>PHP</a:t>
-            </a:r>
-          </a:p>
-          <a:p>
-            <a:pPr lvl="1"/>
-            <a:endParaRPr lang="en-US" dirty="0"/>
+              <a:t>Insert orders</a:t>
+            </a:r>
           </a:p>
         </p:txBody>
       </p:sp>
+      <p:pic>
+        <p:nvPicPr>
+          <p:cNvPr id="6" name="Picture 5"/>
+          <p:cNvPicPr>
+            <a:picLocks noChangeAspect="1"/>
+          </p:cNvPicPr>
+          <p:nvPr/>
+        </p:nvPicPr>
+        <p:blipFill>
+          <a:blip r:embed="rId2"/>
+          <a:stretch>
+            <a:fillRect/>
+          </a:stretch>
+        </p:blipFill>
+        <p:spPr>
+          <a:xfrm>
+            <a:off x="3494608" y="2488908"/>
+            <a:ext cx="8269403" cy="3886134"/>
+          </a:xfrm>
+          <a:prstGeom prst="rect">
+            <a:avLst/>
+          </a:prstGeom>
+        </p:spPr>
+      </p:pic>
     </p:spTree>
     <p:extLst>
       <p:ext uri="{BB962C8B-B14F-4D97-AF65-F5344CB8AC3E}">
-        <p14:creationId xmlns:p14="http://schemas.microsoft.com/office/powerpoint/2010/main" val="3657289073"/>
+        <p14:creationId xmlns:p14="http://schemas.microsoft.com/office/powerpoint/2010/main" val="2390530834"/>
       </p:ext>
     </p:extLst>
   </p:cSld>
@@ -13689,7 +13713,7 @@
           <a:p>
             <a:r>
               <a:rPr lang="en-US" dirty="0" smtClean="0"/>
-              <a:t>Future Improvements</a:t>
+              <a:t>Implementation</a:t>
             </a:r>
             <a:endParaRPr lang="en-US" dirty="0"/>
           </a:p>
@@ -13712,6 +13736,106 @@
           <a:p>
             <a:r>
               <a:rPr lang="en-US" dirty="0" smtClean="0"/>
+              <a:t>Tools used</a:t>
+            </a:r>
+          </a:p>
+          <a:p>
+            <a:pPr lvl="1"/>
+            <a:r>
+              <a:rPr lang="en-US" dirty="0" smtClean="0"/>
+              <a:t>MySQL</a:t>
+            </a:r>
+          </a:p>
+          <a:p>
+            <a:pPr lvl="1"/>
+            <a:r>
+              <a:rPr lang="en-US" dirty="0" smtClean="0"/>
+              <a:t>JavaScript</a:t>
+            </a:r>
+          </a:p>
+          <a:p>
+            <a:pPr lvl="1"/>
+            <a:r>
+              <a:rPr lang="en-US" dirty="0" smtClean="0"/>
+              <a:t>PHP</a:t>
+            </a:r>
+          </a:p>
+          <a:p>
+            <a:pPr lvl="1"/>
+            <a:endParaRPr lang="en-US" dirty="0"/>
+          </a:p>
+        </p:txBody>
+      </p:sp>
+    </p:spTree>
+    <p:extLst>
+      <p:ext uri="{BB962C8B-B14F-4D97-AF65-F5344CB8AC3E}">
+        <p14:creationId xmlns:p14="http://schemas.microsoft.com/office/powerpoint/2010/main" val="3657289073"/>
+      </p:ext>
+    </p:extLst>
+  </p:cSld>
+  <p:clrMapOvr>
+    <a:masterClrMapping/>
+  </p:clrMapOvr>
+</p:sld>
+</file>
+
+<file path=ppt/slides/slide6.xml><?xml version="1.0" encoding="utf-8"?>
+<p:sld xmlns:a="http://schemas.openxmlformats.org/drawingml/2006/main" xmlns:r="http://schemas.openxmlformats.org/officeDocument/2006/relationships" xmlns:p="http://schemas.openxmlformats.org/presentationml/2006/main">
+  <p:cSld>
+    <p:spTree>
+      <p:nvGrpSpPr>
+        <p:cNvPr id="1" name=""/>
+        <p:cNvGrpSpPr/>
+        <p:nvPr/>
+      </p:nvGrpSpPr>
+      <p:grpSpPr>
+        <a:xfrm>
+          <a:off x="0" y="0"/>
+          <a:ext cx="0" cy="0"/>
+          <a:chOff x="0" y="0"/>
+          <a:chExt cx="0" cy="0"/>
+        </a:xfrm>
+      </p:grpSpPr>
+      <p:sp>
+        <p:nvSpPr>
+          <p:cNvPr id="2" name="Title 1"/>
+          <p:cNvSpPr>
+            <a:spLocks noGrp="1"/>
+          </p:cNvSpPr>
+          <p:nvPr>
+            <p:ph type="title"/>
+          </p:nvPr>
+        </p:nvSpPr>
+        <p:spPr/>
+        <p:txBody>
+          <a:bodyPr/>
+          <a:lstStyle/>
+          <a:p>
+            <a:r>
+              <a:rPr lang="en-US" dirty="0" smtClean="0"/>
+              <a:t>Future Improvements</a:t>
+            </a:r>
+            <a:endParaRPr lang="en-US" dirty="0"/>
+          </a:p>
+        </p:txBody>
+      </p:sp>
+      <p:sp>
+        <p:nvSpPr>
+          <p:cNvPr id="3" name="Content Placeholder 2"/>
+          <p:cNvSpPr>
+            <a:spLocks noGrp="1"/>
+          </p:cNvSpPr>
+          <p:nvPr>
+            <p:ph idx="1"/>
+          </p:nvPr>
+        </p:nvSpPr>
+        <p:spPr/>
+        <p:txBody>
+          <a:bodyPr/>
+          <a:lstStyle/>
+          <a:p>
+            <a:r>
+              <a:rPr lang="en-US" dirty="0" smtClean="0"/>
               <a:t>Get official building plans</a:t>
             </a:r>
           </a:p>
@@ -13743,7 +13867,7 @@
 </p:sld>
 </file>
 
-<file path=ppt/slides/slide6.xml><?xml version="1.0" encoding="utf-8"?>
+<file path=ppt/slides/slide7.xml><?xml version="1.0" encoding="utf-8"?>
 <p:sld xmlns:a="http://schemas.openxmlformats.org/drawingml/2006/main" xmlns:r="http://schemas.openxmlformats.org/officeDocument/2006/relationships" xmlns:p="http://schemas.openxmlformats.org/presentationml/2006/main">
   <p:cSld>
     <p:spTree>

--- a/powerPoint.pptx
+++ b/powerPoint.pptx
@@ -13329,6 +13329,13 @@
   <p:clrMapOvr>
     <a:masterClrMapping/>
   </p:clrMapOvr>
+  <p:timing>
+    <p:tnLst>
+      <p:par>
+        <p:cTn id="1" dur="indefinite" restart="never" nodeType="tmRoot"/>
+      </p:par>
+    </p:tnLst>
+  </p:timing>
 </p:sld>
 </file>
 
@@ -13429,6 +13436,13 @@
   <p:clrMapOvr>
     <a:masterClrMapping/>
   </p:clrMapOvr>
+  <p:timing>
+    <p:tnLst>
+      <p:par>
+        <p:cTn id="1" dur="indefinite" restart="never" nodeType="tmRoot"/>
+      </p:par>
+    </p:tnLst>
+  </p:timing>
 </p:sld>
 </file>
 
@@ -13502,8 +13516,12 @@
           <a:p>
             <a:pPr lvl="1"/>
             <a:r>
+              <a:rPr lang="en-US" dirty="0"/>
+              <a:t>F</a:t>
+            </a:r>
+            <a:r>
               <a:rPr lang="en-US" dirty="0" smtClean="0"/>
-              <a:t>floor </a:t>
+              <a:t>loor </a:t>
             </a:r>
             <a:r>
               <a:rPr lang="en-US" dirty="0" smtClean="0"/>
@@ -13515,7 +13533,6 @@
               <a:rPr lang="en-US" dirty="0" smtClean="0"/>
               <a:t>Student</a:t>
             </a:r>
-            <a:endParaRPr lang="en-US" dirty="0" smtClean="0"/>
           </a:p>
           <a:p>
             <a:pPr lvl="1"/>
@@ -13560,6 +13577,13 @@
   <p:clrMapOvr>
     <a:masterClrMapping/>
   </p:clrMapOvr>
+  <p:timing>
+    <p:tnLst>
+      <p:par>
+        <p:cTn id="1" dur="indefinite" restart="never" nodeType="tmRoot"/>
+      </p:par>
+    </p:tnLst>
+  </p:timing>
 </p:sld>
 </file>
 
@@ -13626,7 +13650,6 @@
               <a:rPr lang="en-US" dirty="0" smtClean="0"/>
               <a:t>orders</a:t>
             </a:r>
-            <a:endParaRPr lang="en-US" dirty="0" smtClean="0"/>
           </a:p>
           <a:p>
             <a:r>
@@ -13676,6 +13699,13 @@
   <p:clrMapOvr>
     <a:masterClrMapping/>
   </p:clrMapOvr>
+  <p:timing>
+    <p:tnLst>
+      <p:par>
+        <p:cTn id="1" dur="indefinite" restart="never" nodeType="tmRoot"/>
+      </p:par>
+    </p:tnLst>
+  </p:timing>
 </p:sld>
 </file>
 
@@ -13762,6 +13792,14 @@
           </a:p>
           <a:p>
             <a:pPr lvl="1"/>
+            <a:r>
+              <a:rPr lang="en-US" dirty="0" smtClean="0"/>
+              <a:t>HTML</a:t>
+            </a:r>
+            <a:endParaRPr lang="en-US" dirty="0" smtClean="0"/>
+          </a:p>
+          <a:p>
+            <a:pPr lvl="1"/>
             <a:endParaRPr lang="en-US" dirty="0"/>
           </a:p>
         </p:txBody>
@@ -13776,6 +13814,13 @@
   <p:clrMapOvr>
     <a:masterClrMapping/>
   </p:clrMapOvr>
+  <p:timing>
+    <p:tnLst>
+      <p:par>
+        <p:cTn id="1" dur="indefinite" restart="never" nodeType="tmRoot"/>
+      </p:par>
+    </p:tnLst>
+  </p:timing>
 </p:sld>
 </file>
 
@@ -13864,6 +13909,13 @@
   <p:clrMapOvr>
     <a:masterClrMapping/>
   </p:clrMapOvr>
+  <p:timing>
+    <p:tnLst>
+      <p:par>
+        <p:cTn id="1" dur="indefinite" restart="never" nodeType="tmRoot"/>
+      </p:par>
+    </p:tnLst>
+  </p:timing>
 </p:sld>
 </file>
 
@@ -13994,6 +14046,13 @@
   <p:clrMapOvr>
     <a:masterClrMapping/>
   </p:clrMapOvr>
+  <p:timing>
+    <p:tnLst>
+      <p:par>
+        <p:cTn id="1" dur="indefinite" restart="never" nodeType="tmRoot"/>
+      </p:par>
+    </p:tnLst>
+  </p:timing>
 </p:sld>
 </file>
 
